--- a/week8/nesbitt-week8.pptx
+++ b/week8/nesbitt-week8.pptx
@@ -12,8 +12,7 @@
     <p:sldId id="296" r:id="rId9"/>
     <p:sldId id="297" r:id="rId10"/>
     <p:sldId id="298" r:id="rId11"/>
-    <p:sldId id="299" r:id="rId12"/>
-    <p:sldId id="283" r:id="rId13"/>
+    <p:sldId id="283" r:id="rId12"/>
   </p:sldIdLst>
   <p:sldSz cx="12192000" cy="6858000"/>
   <p:notesSz cx="6858000" cy="9144000"/>
@@ -6332,38 +6331,37 @@
           <a:p>
             <a:r>
               <a:rPr lang="en-US" dirty="0"/>
-              <a:t>It is the use of backend web services to help a software application run</a:t>
+              <a:t>It is the design method </a:t>
             </a:r>
           </a:p>
           <a:p>
             <a:r>
               <a:rPr lang="en-US" dirty="0"/>
-              <a:t>It saves time and money in hiring developers</a:t>
-            </a:r>
-          </a:p>
-          <a:p>
-            <a:pPr lvl="1"/>
+              <a:t>Used for small back end web services</a:t>
+            </a:r>
+          </a:p>
+          <a:p>
             <a:r>
               <a:rPr lang="en-US" dirty="0"/>
-              <a:t>Allows for code reusability instead of recoding it yourself</a:t>
+              <a:t>A small service that allows for code reuse</a:t>
             </a:r>
           </a:p>
           <a:p>
             <a:r>
               <a:rPr lang="en-US" dirty="0"/>
-              <a:t>Uses messaging for its communication method</a:t>
+              <a:t>Easy to manage</a:t>
             </a:r>
           </a:p>
           <a:p>
             <a:r>
               <a:rPr lang="en-US" dirty="0"/>
-              <a:t>Incorporates XML schemas</a:t>
+              <a:t>Saves time in development</a:t>
             </a:r>
           </a:p>
           <a:p>
             <a:r>
               <a:rPr lang="en-US" dirty="0"/>
-              <a:t>Great for security reasons</a:t>
+              <a:t>Written in multiple languages</a:t>
             </a:r>
           </a:p>
           <a:p>
@@ -6466,25 +6464,25 @@
           <a:p>
             <a:r>
               <a:rPr lang="en-US" dirty="0"/>
-              <a:t>It is basically a design pattern that is followed in software design</a:t>
+              <a:t>It is basically a service that runs over the web</a:t>
             </a:r>
           </a:p>
           <a:p>
             <a:r>
               <a:rPr lang="en-US" dirty="0"/>
-              <a:t>Helps with integration of the associated applications</a:t>
+              <a:t>Helps with integration of the associated web applications</a:t>
             </a:r>
           </a:p>
           <a:p>
             <a:r>
               <a:rPr lang="en-US" dirty="0"/>
-              <a:t>Can be defined as middleware</a:t>
+              <a:t>Can be looked at as a sort of router</a:t>
             </a:r>
           </a:p>
           <a:p>
             <a:r>
               <a:rPr lang="en-US" dirty="0"/>
-              <a:t>Runs in the back end</a:t>
+              <a:t>Used as the back end</a:t>
             </a:r>
           </a:p>
           <a:p>
@@ -6496,7 +6494,7 @@
           <a:p>
             <a:r>
               <a:rPr lang="en-US" dirty="0"/>
-              <a:t>It is messaging based</a:t>
+              <a:t>It is a interface between internet devices and web frameworks</a:t>
             </a:r>
           </a:p>
           <a:p>
@@ -6593,31 +6591,31 @@
           <a:p>
             <a:r>
               <a:rPr lang="en-US" dirty="0"/>
-              <a:t>Allows for a lot of code/service reusability</a:t>
+              <a:t>Allows for a lot of code reusability</a:t>
             </a:r>
           </a:p>
           <a:p>
             <a:r>
               <a:rPr lang="en-US" dirty="0"/>
-              <a:t>Can be used in multiple platforms</a:t>
+              <a:t>Can be created in multiple languages</a:t>
             </a:r>
           </a:p>
           <a:p>
             <a:r>
               <a:rPr lang="en-US" dirty="0"/>
-              <a:t>Easier to maintain by developers</a:t>
+              <a:t>Easier to understand by developers</a:t>
             </a:r>
           </a:p>
           <a:p>
             <a:r>
               <a:rPr lang="en-US" dirty="0"/>
-              <a:t>Increasingly scalable, high availability</a:t>
+              <a:t>Perfect for small teams</a:t>
             </a:r>
           </a:p>
           <a:p>
             <a:r>
               <a:rPr lang="en-US" dirty="0"/>
-              <a:t>Excellent reliability</a:t>
+              <a:t>Goes well with business systems</a:t>
             </a:r>
           </a:p>
           <a:p>
@@ -6711,37 +6709,37 @@
           <a:p>
             <a:r>
               <a:rPr lang="en-US" dirty="0"/>
-              <a:t>Higher costs</a:t>
+              <a:t>Higher complexity with testing</a:t>
             </a:r>
           </a:p>
           <a:p>
             <a:r>
               <a:rPr lang="en-US" dirty="0"/>
-              <a:t>Lower performance</a:t>
+              <a:t>Larger applications can become too hard to follow</a:t>
             </a:r>
           </a:p>
           <a:p>
             <a:r>
               <a:rPr lang="en-US" dirty="0"/>
-              <a:t>Higher overhead</a:t>
+              <a:t>It can be confusing when you add more services to your application</a:t>
             </a:r>
           </a:p>
           <a:p>
             <a:r>
               <a:rPr lang="en-US" dirty="0"/>
-              <a:t>Higher bandwidth</a:t>
+              <a:t>Its decentralized </a:t>
             </a:r>
           </a:p>
           <a:p>
             <a:r>
               <a:rPr lang="en-US" dirty="0"/>
-              <a:t>Deployment is complex</a:t>
+              <a:t>Monitoring is difficult</a:t>
             </a:r>
           </a:p>
           <a:p>
             <a:r>
               <a:rPr lang="en-US" dirty="0"/>
-              <a:t>Monitoring is also complex</a:t>
+              <a:t>Integration and application inter-communication can be complex</a:t>
             </a:r>
           </a:p>
           <a:p>
@@ -6807,7 +6805,7 @@
           <a:p>
             <a:r>
               <a:rPr lang="en-US" dirty="0"/>
-              <a:t>Deployment/Management of Microservices</a:t>
+              <a:t>Deployment &amp; Management of Microservices</a:t>
             </a:r>
           </a:p>
         </p:txBody>
@@ -6837,38 +6835,32 @@
           <a:p>
             <a:r>
               <a:rPr lang="en-US" dirty="0"/>
-              <a:t>Higher costs</a:t>
+              <a:t>Microservices are deployed and managed via the cloud</a:t>
             </a:r>
           </a:p>
           <a:p>
             <a:r>
               <a:rPr lang="en-US" dirty="0"/>
-              <a:t>Lower performance</a:t>
+              <a:t>Microservices in production should be fault tolerant</a:t>
             </a:r>
           </a:p>
           <a:p>
             <a:r>
               <a:rPr lang="en-US" dirty="0"/>
-              <a:t>Higher overhead</a:t>
+              <a:t>Microservices systems should be set up as decentralized</a:t>
             </a:r>
           </a:p>
           <a:p>
             <a:r>
               <a:rPr lang="en-US" dirty="0"/>
-              <a:t>Higher bandwidth</a:t>
-            </a:r>
-          </a:p>
-          <a:p>
-            <a:r>
-              <a:rPr lang="en-US" dirty="0"/>
-              <a:t>Deployment is complex</a:t>
-            </a:r>
-          </a:p>
-          <a:p>
-            <a:r>
-              <a:rPr lang="en-US" dirty="0"/>
-              <a:t>Monitoring is also complex</a:t>
-            </a:r>
+              <a:t>Microservices should be monitored</a:t>
+            </a:r>
+          </a:p>
+          <a:p>
+            <a:endParaRPr lang="en-US" dirty="0"/>
+          </a:p>
+          <a:p>
+            <a:endParaRPr lang="en-US" dirty="0"/>
           </a:p>
           <a:p>
             <a:endParaRPr lang="en-US" dirty="0"/>
@@ -6913,132 +6905,6 @@
           <p:cNvPr id="2" name="Title 1">
             <a:extLst>
               <a:ext uri="{FF2B5EF4-FFF2-40B4-BE49-F238E27FC236}">
-                <a16:creationId xmlns:a16="http://schemas.microsoft.com/office/drawing/2014/main" id="{C3718959-6770-477F-9AF4-D11C8DC94E8F}"/>
-              </a:ext>
-            </a:extLst>
-          </p:cNvPr>
-          <p:cNvSpPr>
-            <a:spLocks noGrp="1"/>
-          </p:cNvSpPr>
-          <p:nvPr>
-            <p:ph type="title"/>
-          </p:nvPr>
-        </p:nvSpPr>
-        <p:spPr/>
-        <p:txBody>
-          <a:bodyPr>
-            <a:normAutofit/>
-          </a:bodyPr>
-          <a:lstStyle/>
-          <a:p>
-            <a:r>
-              <a:rPr lang="en-US" dirty="0"/>
-              <a:t>Microservices Scalability</a:t>
-            </a:r>
-          </a:p>
-        </p:txBody>
-      </p:sp>
-      <p:sp>
-        <p:nvSpPr>
-          <p:cNvPr id="3" name="Content Placeholder 2">
-            <a:extLst>
-              <a:ext uri="{FF2B5EF4-FFF2-40B4-BE49-F238E27FC236}">
-                <a16:creationId xmlns:a16="http://schemas.microsoft.com/office/drawing/2014/main" id="{A6AAC744-22CB-4330-AC3C-DAE459443112}"/>
-              </a:ext>
-            </a:extLst>
-          </p:cNvPr>
-          <p:cNvSpPr>
-            <a:spLocks noGrp="1"/>
-          </p:cNvSpPr>
-          <p:nvPr>
-            <p:ph idx="1"/>
-          </p:nvPr>
-        </p:nvSpPr>
-        <p:spPr/>
-        <p:txBody>
-          <a:bodyPr>
-            <a:normAutofit/>
-          </a:bodyPr>
-          <a:lstStyle/>
-          <a:p>
-            <a:r>
-              <a:rPr lang="en-US" dirty="0"/>
-              <a:t>Higher costs</a:t>
-            </a:r>
-          </a:p>
-          <a:p>
-            <a:r>
-              <a:rPr lang="en-US" dirty="0"/>
-              <a:t>Lower performance</a:t>
-            </a:r>
-          </a:p>
-          <a:p>
-            <a:r>
-              <a:rPr lang="en-US" dirty="0"/>
-              <a:t>Higher overhead</a:t>
-            </a:r>
-          </a:p>
-          <a:p>
-            <a:r>
-              <a:rPr lang="en-US" dirty="0"/>
-              <a:t>Higher bandwidth</a:t>
-            </a:r>
-          </a:p>
-          <a:p>
-            <a:r>
-              <a:rPr lang="en-US" dirty="0"/>
-              <a:t>Deployment is complex</a:t>
-            </a:r>
-          </a:p>
-          <a:p>
-            <a:r>
-              <a:rPr lang="en-US" dirty="0"/>
-              <a:t>Monitoring is also complex</a:t>
-            </a:r>
-          </a:p>
-          <a:p>
-            <a:endParaRPr lang="en-US" dirty="0"/>
-          </a:p>
-          <a:p>
-            <a:endParaRPr lang="en-US" dirty="0"/>
-          </a:p>
-        </p:txBody>
-      </p:sp>
-    </p:spTree>
-    <p:extLst>
-      <p:ext uri="{BB962C8B-B14F-4D97-AF65-F5344CB8AC3E}">
-        <p14:creationId xmlns:p14="http://schemas.microsoft.com/office/powerpoint/2010/main" val="4111193365"/>
-      </p:ext>
-    </p:extLst>
-  </p:cSld>
-  <p:clrMapOvr>
-    <a:masterClrMapping/>
-  </p:clrMapOvr>
-</p:sld>
-</file>
-
-<file path=ppt/slides/slide9.xml><?xml version="1.0" encoding="utf-8"?>
-<p:sld xmlns:a="http://schemas.openxmlformats.org/drawingml/2006/main" xmlns:r="http://schemas.openxmlformats.org/officeDocument/2006/relationships" xmlns:p="http://schemas.openxmlformats.org/presentationml/2006/main">
-  <p:cSld>
-    <p:spTree>
-      <p:nvGrpSpPr>
-        <p:cNvPr id="1" name=""/>
-        <p:cNvGrpSpPr/>
-        <p:nvPr/>
-      </p:nvGrpSpPr>
-      <p:grpSpPr>
-        <a:xfrm>
-          <a:off x="0" y="0"/>
-          <a:ext cx="0" cy="0"/>
-          <a:chOff x="0" y="0"/>
-          <a:chExt cx="0" cy="0"/>
-        </a:xfrm>
-      </p:grpSpPr>
-      <p:sp>
-        <p:nvSpPr>
-          <p:cNvPr id="2" name="Title 1">
-            <a:extLst>
-              <a:ext uri="{FF2B5EF4-FFF2-40B4-BE49-F238E27FC236}">
                 <a16:creationId xmlns:a16="http://schemas.microsoft.com/office/drawing/2014/main" id="{2089DA50-397C-49C8-ACC1-A78511FA0E65}"/>
               </a:ext>
             </a:extLst>
@@ -7099,8 +6965,65 @@
               <a:rPr lang="en-US" sz="1050" dirty="0">
                 <a:effectLst/>
               </a:rPr>
-              <a:t>Richardson, L., &amp; Amundsen, M. (2015). RESTful Web APIs. Beijing: O'Reilly.</a:t>
-            </a:r>
+              <a:t>What is Microservices? (n.d.) Retrieved from </a:t>
+            </a:r>
+            <a:r>
+              <a:rPr lang="en-US" sz="1050" dirty="0">
+                <a:effectLst/>
+                <a:hlinkClick r:id="rId2"/>
+              </a:rPr>
+              <a:t>https://smartbear.com/solutions/microservices/</a:t>
+            </a:r>
+            <a:endParaRPr lang="en-US" sz="1050" dirty="0">
+              <a:effectLst/>
+            </a:endParaRPr>
+          </a:p>
+          <a:p>
+            <a:r>
+              <a:rPr lang="en-US" sz="1050" dirty="0">
+                <a:effectLst/>
+              </a:rPr>
+              <a:t>Amazon API Gateway (n.d.) Retrieved from </a:t>
+            </a:r>
+            <a:r>
+              <a:rPr lang="en-US" sz="1050" dirty="0">
+                <a:effectLst/>
+                <a:hlinkClick r:id="rId3"/>
+              </a:rPr>
+              <a:t>https://aws.amazon.com/api-gateway/</a:t>
+            </a:r>
+            <a:endParaRPr lang="en-US" sz="1050" dirty="0">
+              <a:effectLst/>
+            </a:endParaRPr>
+          </a:p>
+          <a:p>
+            <a:r>
+              <a:rPr lang="en-US" sz="1050" dirty="0">
+                <a:effectLst/>
+              </a:rPr>
+              <a:t>Marko, Kurt. (2019, August 14). Follow these 6 steps to deploy microservices in production. </a:t>
+            </a:r>
+            <a:r>
+              <a:rPr lang="en-US" sz="1050">
+                <a:effectLst/>
+              </a:rPr>
+              <a:t>Retrieved from </a:t>
+            </a:r>
+            <a:r>
+              <a:rPr lang="en-US" sz="1050">
+                <a:effectLst/>
+                <a:hlinkClick r:id="rId4"/>
+              </a:rPr>
+              <a:t>https://searchitoperations.techtarget.com/tip/Follow-these-6-steps-to-deploy-microservices-in-production</a:t>
+            </a:r>
+            <a:endParaRPr lang="en-US" sz="1050">
+              <a:effectLst/>
+            </a:endParaRPr>
+          </a:p>
+          <a:p>
+            <a:endParaRPr lang="en-US" sz="1050" dirty="0">
+              <a:effectLst/>
+            </a:endParaRPr>
           </a:p>
           <a:p>
             <a:endParaRPr lang="en-US" sz="1050" dirty="0">
